--- a/2025-12-18 ABP Community Talks 2025.10/ABP Comm Talks 2025.10 Intro.pptx
+++ b/2025-12-18 ABP Community Talks 2025.10/ABP Comm Talks 2025.10 Intro.pptx
@@ -4023,7 +4023,7 @@
               <a:buNone/>
             </a:pPr>
             <a:r>
-              <a:rPr lang="tr-TR" sz="3600" b="1">
+              <a:rPr lang="tr-TR" sz="3600" b="1" dirty="0">
                 <a:solidFill>
                   <a:srgbClr val="292D33"/>
                 </a:solidFill>
@@ -4350,7 +4350,7 @@
                 <a:cs typeface="Poppins" pitchFamily="2" charset="0"/>
                 <a:sym typeface="Poppins"/>
               </a:rPr>
-              <a:t>What </a:t>
+              <a:t>AI for </a:t>
             </a:r>
             <a:r>
               <a:rPr lang="tr-TR" sz="2800" b="1" dirty="0">
@@ -4362,7 +4362,7 @@
                 <a:cs typeface="Poppins" pitchFamily="2" charset="0"/>
                 <a:sym typeface="Poppins"/>
               </a:rPr>
-              <a:t>ABP Team </a:t>
+              <a:t>ABP </a:t>
             </a:r>
             <a:r>
               <a:rPr lang="tr-TR" sz="2800" dirty="0">
@@ -4374,7 +4374,7 @@
                 <a:cs typeface="Poppins" pitchFamily="2" charset="0"/>
                 <a:sym typeface="Poppins"/>
               </a:rPr>
-              <a:t>is doing?</a:t>
+              <a:t>Developers</a:t>
             </a:r>
             <a:endParaRPr lang="en-US" sz="2800" dirty="0">
               <a:solidFill>
@@ -8790,7 +8790,31 @@
                 <a:cs typeface="Poppins" panose="00000500000000000000" pitchFamily="2" charset="-94"/>
                 <a:sym typeface="Poppins"/>
               </a:rPr>
-              <a:t>AI Management Module</a:t>
+              <a:t>The </a:t>
+            </a:r>
+            <a:r>
+              <a:rPr lang="tr-TR" sz="2800" b="1" dirty="0">
+                <a:solidFill>
+                  <a:srgbClr val="5C6571"/>
+                </a:solidFill>
+                <a:latin typeface="Poppins" panose="00000500000000000000" pitchFamily="2" charset="-94"/>
+                <a:ea typeface="Poppins"/>
+                <a:cs typeface="Poppins" panose="00000500000000000000" pitchFamily="2" charset="-94"/>
+                <a:sym typeface="Poppins"/>
+              </a:rPr>
+              <a:t>AI Management </a:t>
+            </a:r>
+            <a:r>
+              <a:rPr lang="tr-TR" sz="2800" dirty="0">
+                <a:solidFill>
+                  <a:srgbClr val="5C6571"/>
+                </a:solidFill>
+                <a:latin typeface="Poppins" panose="00000500000000000000" pitchFamily="2" charset="-94"/>
+                <a:ea typeface="Poppins"/>
+                <a:cs typeface="Poppins" panose="00000500000000000000" pitchFamily="2" charset="-94"/>
+                <a:sym typeface="Poppins"/>
+              </a:rPr>
+              <a:t>Module</a:t>
             </a:r>
           </a:p>
           <a:p>

--- a/2025-12-18 ABP Community Talks 2025.10/ABP Comm Talks 2025.10 Intro.pptx
+++ b/2025-12-18 ABP Community Talks 2025.10/ABP Comm Talks 2025.10 Intro.pptx
@@ -9,15 +9,15 @@
   </p:notesMasterIdLst>
   <p:sldIdLst>
     <p:sldId id="256" r:id="rId2"/>
-    <p:sldId id="280" r:id="rId3"/>
-    <p:sldId id="281" r:id="rId4"/>
-    <p:sldId id="282" r:id="rId5"/>
-    <p:sldId id="286" r:id="rId6"/>
-    <p:sldId id="287" r:id="rId7"/>
-    <p:sldId id="288" r:id="rId8"/>
-    <p:sldId id="284" r:id="rId9"/>
-    <p:sldId id="285" r:id="rId10"/>
-    <p:sldId id="291" r:id="rId11"/>
+    <p:sldId id="281" r:id="rId3"/>
+    <p:sldId id="282" r:id="rId4"/>
+    <p:sldId id="286" r:id="rId5"/>
+    <p:sldId id="287" r:id="rId6"/>
+    <p:sldId id="288" r:id="rId7"/>
+    <p:sldId id="284" r:id="rId8"/>
+    <p:sldId id="285" r:id="rId9"/>
+    <p:sldId id="291" r:id="rId10"/>
+    <p:sldId id="280" r:id="rId11"/>
   </p:sldIdLst>
   <p:sldSz cx="12192000" cy="6858000"/>
   <p:notesSz cx="6858000" cy="9144000"/>
@@ -206,7 +206,7 @@
           <a:p>
             <a:fld id="{AD8AE268-3FB1-8B49-A7E8-783BB6480738}" type="datetimeFigureOut">
               <a:rPr lang="tr-TR" smtClean="0"/>
-              <a:t>7.12.2025</a:t>
+              <a:t>11.12.2025</a:t>
             </a:fld>
             <a:endParaRPr lang="tr-TR"/>
           </a:p>
@@ -620,7 +620,7 @@
           <a:p>
             <a:fld id="{BBFF5D94-9F9C-DF48-BC1C-1A1DDC476D4B}" type="datetimeFigureOut">
               <a:rPr lang="tr-TR" smtClean="0"/>
-              <a:t>7.12.2025</a:t>
+              <a:t>11.12.2025</a:t>
             </a:fld>
             <a:endParaRPr lang="tr-TR"/>
           </a:p>
@@ -818,7 +818,7 @@
           <a:p>
             <a:fld id="{BBFF5D94-9F9C-DF48-BC1C-1A1DDC476D4B}" type="datetimeFigureOut">
               <a:rPr lang="tr-TR" smtClean="0"/>
-              <a:t>7.12.2025</a:t>
+              <a:t>11.12.2025</a:t>
             </a:fld>
             <a:endParaRPr lang="tr-TR"/>
           </a:p>
@@ -1026,7 +1026,7 @@
           <a:p>
             <a:fld id="{BBFF5D94-9F9C-DF48-BC1C-1A1DDC476D4B}" type="datetimeFigureOut">
               <a:rPr lang="tr-TR" smtClean="0"/>
-              <a:t>7.12.2025</a:t>
+              <a:t>11.12.2025</a:t>
             </a:fld>
             <a:endParaRPr lang="tr-TR"/>
           </a:p>
@@ -1224,7 +1224,7 @@
           <a:p>
             <a:fld id="{BBFF5D94-9F9C-DF48-BC1C-1A1DDC476D4B}" type="datetimeFigureOut">
               <a:rPr lang="tr-TR" smtClean="0"/>
-              <a:t>7.12.2025</a:t>
+              <a:t>11.12.2025</a:t>
             </a:fld>
             <a:endParaRPr lang="tr-TR"/>
           </a:p>
@@ -1499,7 +1499,7 @@
           <a:p>
             <a:fld id="{BBFF5D94-9F9C-DF48-BC1C-1A1DDC476D4B}" type="datetimeFigureOut">
               <a:rPr lang="tr-TR" smtClean="0"/>
-              <a:t>7.12.2025</a:t>
+              <a:t>11.12.2025</a:t>
             </a:fld>
             <a:endParaRPr lang="tr-TR"/>
           </a:p>
@@ -1764,7 +1764,7 @@
           <a:p>
             <a:fld id="{BBFF5D94-9F9C-DF48-BC1C-1A1DDC476D4B}" type="datetimeFigureOut">
               <a:rPr lang="tr-TR" smtClean="0"/>
-              <a:t>7.12.2025</a:t>
+              <a:t>11.12.2025</a:t>
             </a:fld>
             <a:endParaRPr lang="tr-TR"/>
           </a:p>
@@ -2176,7 +2176,7 @@
           <a:p>
             <a:fld id="{BBFF5D94-9F9C-DF48-BC1C-1A1DDC476D4B}" type="datetimeFigureOut">
               <a:rPr lang="tr-TR" smtClean="0"/>
-              <a:t>7.12.2025</a:t>
+              <a:t>11.12.2025</a:t>
             </a:fld>
             <a:endParaRPr lang="tr-TR"/>
           </a:p>
@@ -2317,7 +2317,7 @@
           <a:p>
             <a:fld id="{BBFF5D94-9F9C-DF48-BC1C-1A1DDC476D4B}" type="datetimeFigureOut">
               <a:rPr lang="tr-TR" smtClean="0"/>
-              <a:t>7.12.2025</a:t>
+              <a:t>11.12.2025</a:t>
             </a:fld>
             <a:endParaRPr lang="tr-TR"/>
           </a:p>
@@ -2430,7 +2430,7 @@
           <a:p>
             <a:fld id="{BBFF5D94-9F9C-DF48-BC1C-1A1DDC476D4B}" type="datetimeFigureOut">
               <a:rPr lang="tr-TR" smtClean="0"/>
-              <a:t>7.12.2025</a:t>
+              <a:t>11.12.2025</a:t>
             </a:fld>
             <a:endParaRPr lang="tr-TR"/>
           </a:p>
@@ -2741,7 +2741,7 @@
           <a:p>
             <a:fld id="{BBFF5D94-9F9C-DF48-BC1C-1A1DDC476D4B}" type="datetimeFigureOut">
               <a:rPr lang="tr-TR" smtClean="0"/>
-              <a:t>7.12.2025</a:t>
+              <a:t>11.12.2025</a:t>
             </a:fld>
             <a:endParaRPr lang="tr-TR"/>
           </a:p>
@@ -3029,7 +3029,7 @@
           <a:p>
             <a:fld id="{BBFF5D94-9F9C-DF48-BC1C-1A1DDC476D4B}" type="datetimeFigureOut">
               <a:rPr lang="tr-TR" smtClean="0"/>
-              <a:t>7.12.2025</a:t>
+              <a:t>11.12.2025</a:t>
             </a:fld>
             <a:endParaRPr lang="tr-TR"/>
           </a:p>
@@ -3270,7 +3270,7 @@
           <a:p>
             <a:fld id="{BBFF5D94-9F9C-DF48-BC1C-1A1DDC476D4B}" type="datetimeFigureOut">
               <a:rPr lang="tr-TR" smtClean="0"/>
-              <a:t>7.12.2025</a:t>
+              <a:t>11.12.2025</a:t>
             </a:fld>
             <a:endParaRPr lang="tr-TR"/>
           </a:p>
@@ -3968,175 +3968,6 @@
         <p:cNvPr id="1" name="">
           <a:extLst>
             <a:ext uri="{FF2B5EF4-FFF2-40B4-BE49-F238E27FC236}">
-              <a16:creationId xmlns:a16="http://schemas.microsoft.com/office/drawing/2014/main" id="{498C4AA6-9A7A-D9E5-5383-459CD17F43FE}"/>
-            </a:ext>
-          </a:extLst>
-        </p:cNvPr>
-        <p:cNvGrpSpPr/>
-        <p:nvPr/>
-      </p:nvGrpSpPr>
-      <p:grpSpPr>
-        <a:xfrm>
-          <a:off x="0" y="0"/>
-          <a:ext cx="0" cy="0"/>
-          <a:chOff x="0" y="0"/>
-          <a:chExt cx="0" cy="0"/>
-        </a:xfrm>
-      </p:grpSpPr>
-      <p:sp>
-        <p:nvSpPr>
-          <p:cNvPr id="4" name="Metin kutusu 3">
-            <a:extLst>
-              <a:ext uri="{FF2B5EF4-FFF2-40B4-BE49-F238E27FC236}">
-                <a16:creationId xmlns:a16="http://schemas.microsoft.com/office/drawing/2014/main" id="{ECEEADF5-D160-7812-350C-75703161FF99}"/>
-              </a:ext>
-            </a:extLst>
-          </p:cNvPr>
-          <p:cNvSpPr txBox="1">
-            <a:spLocks/>
-          </p:cNvSpPr>
-          <p:nvPr/>
-        </p:nvSpPr>
-        <p:spPr>
-          <a:xfrm>
-            <a:off x="455849" y="407657"/>
-            <a:ext cx="11239965" cy="708763"/>
-          </a:xfrm>
-          <a:prstGeom prst="rect">
-            <a:avLst/>
-          </a:prstGeom>
-          <a:noFill/>
-        </p:spPr>
-        <p:txBody>
-          <a:bodyPr wrap="square" rtlCol="0">
-            <a:normAutofit/>
-          </a:bodyPr>
-          <a:lstStyle/>
-          <a:p>
-            <a:pPr marL="0" lvl="0" indent="0" algn="l" rtl="0">
-              <a:spcBef>
-                <a:spcPts val="0"/>
-              </a:spcBef>
-              <a:spcAft>
-                <a:spcPts val="0"/>
-              </a:spcAft>
-              <a:buNone/>
-            </a:pPr>
-            <a:r>
-              <a:rPr lang="tr-TR" sz="3600" b="1" dirty="0">
-                <a:solidFill>
-                  <a:srgbClr val="292D33"/>
-                </a:solidFill>
-                <a:latin typeface="Lexend"/>
-                <a:ea typeface="Lexend"/>
-                <a:cs typeface="Lexend"/>
-                <a:sym typeface="Lexend"/>
-              </a:rPr>
-              <a:t>TODO</a:t>
-            </a:r>
-            <a:endParaRPr lang="tr-TR" sz="3600" dirty="0">
-              <a:solidFill>
-                <a:srgbClr val="292D33"/>
-              </a:solidFill>
-              <a:latin typeface="Lexend"/>
-              <a:ea typeface="Lexend"/>
-              <a:cs typeface="Lexend"/>
-              <a:sym typeface="Lexend"/>
-            </a:endParaRPr>
-          </a:p>
-        </p:txBody>
-      </p:sp>
-      <p:sp>
-        <p:nvSpPr>
-          <p:cNvPr id="14" name="Metin kutusu 13">
-            <a:extLst>
-              <a:ext uri="{FF2B5EF4-FFF2-40B4-BE49-F238E27FC236}">
-                <a16:creationId xmlns:a16="http://schemas.microsoft.com/office/drawing/2014/main" id="{82FA96C3-F475-3CDF-F28D-E0DC430A1B0D}"/>
-              </a:ext>
-            </a:extLst>
-          </p:cNvPr>
-          <p:cNvSpPr txBox="1"/>
-          <p:nvPr/>
-        </p:nvSpPr>
-        <p:spPr>
-          <a:xfrm>
-            <a:off x="455846" y="1250909"/>
-            <a:ext cx="11239964" cy="4746130"/>
-          </a:xfrm>
-          <a:prstGeom prst="rect">
-            <a:avLst/>
-          </a:prstGeom>
-          <a:noFill/>
-        </p:spPr>
-        <p:txBody>
-          <a:bodyPr wrap="square" rtlCol="0">
-            <a:normAutofit/>
-          </a:bodyPr>
-          <a:lstStyle/>
-          <a:p>
-            <a:pPr marL="285750" indent="-285750">
-              <a:buFont typeface="Arial" panose="020B0604020202020204" pitchFamily="34" charset="0"/>
-              <a:buChar char="•"/>
-            </a:pPr>
-            <a:r>
-              <a:rPr lang="tr-TR" sz="2800" dirty="0">
-                <a:solidFill>
-                  <a:srgbClr val="5C6571"/>
-                </a:solidFill>
-                <a:latin typeface="Poppins" pitchFamily="2" charset="0"/>
-                <a:ea typeface="Poppins"/>
-                <a:cs typeface="Poppins" pitchFamily="2" charset="0"/>
-                <a:sym typeface="Poppins"/>
-              </a:rPr>
-              <a:t>TODO</a:t>
-            </a:r>
-            <a:endParaRPr lang="en-US" sz="2800" b="1" dirty="0">
-              <a:solidFill>
-                <a:srgbClr val="5C6571"/>
-              </a:solidFill>
-              <a:latin typeface="Poppins SemiBold" pitchFamily="2" charset="0"/>
-              <a:ea typeface="Poppins"/>
-              <a:cs typeface="Poppins SemiBold" pitchFamily="2" charset="0"/>
-              <a:sym typeface="Poppins"/>
-            </a:endParaRPr>
-          </a:p>
-        </p:txBody>
-      </p:sp>
-    </p:spTree>
-    <p:extLst>
-      <p:ext uri="{BB962C8B-B14F-4D97-AF65-F5344CB8AC3E}">
-        <p14:creationId xmlns:p14="http://schemas.microsoft.com/office/powerpoint/2010/main" val="2434671945"/>
-      </p:ext>
-    </p:extLst>
-  </p:cSld>
-  <p:clrMapOvr>
-    <a:masterClrMapping/>
-  </p:clrMapOvr>
-</p:sld>
-</file>
-
-<file path=ppt/slides/slide2.xml><?xml version="1.0" encoding="utf-8"?>
-<p:sld xmlns:a="http://schemas.openxmlformats.org/drawingml/2006/main" xmlns:r="http://schemas.openxmlformats.org/officeDocument/2006/relationships" xmlns:p="http://schemas.openxmlformats.org/presentationml/2006/main">
-  <p:cSld>
-    <p:bg>
-      <p:bgPr>
-        <a:blipFill dpi="0" rotWithShape="1">
-          <a:blip r:embed="rId2">
-            <a:lum/>
-          </a:blip>
-          <a:srcRect/>
-          <a:stretch>
-            <a:fillRect/>
-          </a:stretch>
-        </a:blipFill>
-        <a:effectLst/>
-      </p:bgPr>
-    </p:bg>
-    <p:spTree>
-      <p:nvGrpSpPr>
-        <p:cNvPr id="1" name="">
-          <a:extLst>
-            <a:ext uri="{FF2B5EF4-FFF2-40B4-BE49-F238E27FC236}">
               <a16:creationId xmlns:a16="http://schemas.microsoft.com/office/drawing/2014/main" id="{2EFEB56F-6A6E-CDE3-46C9-D37CD01B2C77}"/>
             </a:ext>
           </a:extLst>
@@ -4914,7 +4745,7 @@
 </p:sld>
 </file>
 
-<file path=ppt/slides/slide3.xml><?xml version="1.0" encoding="utf-8"?>
+<file path=ppt/slides/slide2.xml><?xml version="1.0" encoding="utf-8"?>
 <p:sld xmlns:a="http://schemas.openxmlformats.org/drawingml/2006/main" xmlns:r="http://schemas.openxmlformats.org/officeDocument/2006/relationships" xmlns:p="http://schemas.openxmlformats.org/presentationml/2006/main">
   <p:cSld>
     <p:bg>
@@ -5417,7 +5248,7 @@
 </p:sld>
 </file>
 
-<file path=ppt/slides/slide4.xml><?xml version="1.0" encoding="utf-8"?>
+<file path=ppt/slides/slide3.xml><?xml version="1.0" encoding="utf-8"?>
 <p:sld xmlns:a="http://schemas.openxmlformats.org/drawingml/2006/main" xmlns:r="http://schemas.openxmlformats.org/officeDocument/2006/relationships" xmlns:p="http://schemas.openxmlformats.org/presentationml/2006/main">
   <p:cSld>
     <p:bg>
@@ -6048,7 +5879,7 @@
 </p:sld>
 </file>
 
-<file path=ppt/slides/slide5.xml><?xml version="1.0" encoding="utf-8"?>
+<file path=ppt/slides/slide4.xml><?xml version="1.0" encoding="utf-8"?>
 <p:sld xmlns:a="http://schemas.openxmlformats.org/drawingml/2006/main" xmlns:r="http://schemas.openxmlformats.org/officeDocument/2006/relationships" xmlns:p="http://schemas.openxmlformats.org/presentationml/2006/main">
   <p:cSld>
     <p:bg>
@@ -6756,7 +6587,7 @@
 </p:sld>
 </file>
 
-<file path=ppt/slides/slide6.xml><?xml version="1.0" encoding="utf-8"?>
+<file path=ppt/slides/slide5.xml><?xml version="1.0" encoding="utf-8"?>
 <p:sld xmlns:a="http://schemas.openxmlformats.org/drawingml/2006/main" xmlns:r="http://schemas.openxmlformats.org/officeDocument/2006/relationships" xmlns:p="http://schemas.openxmlformats.org/presentationml/2006/main">
   <p:cSld>
     <p:bg>
@@ -7360,7 +7191,7 @@
 </p:sld>
 </file>
 
-<file path=ppt/slides/slide7.xml><?xml version="1.0" encoding="utf-8"?>
+<file path=ppt/slides/slide6.xml><?xml version="1.0" encoding="utf-8"?>
 <p:sld xmlns:a="http://schemas.openxmlformats.org/drawingml/2006/main" xmlns:r="http://schemas.openxmlformats.org/officeDocument/2006/relationships" xmlns:p="http://schemas.openxmlformats.org/presentationml/2006/main">
   <p:cSld>
     <p:bg>
@@ -7819,7 +7650,7 @@
 </p:sld>
 </file>
 
-<file path=ppt/slides/slide8.xml><?xml version="1.0" encoding="utf-8"?>
+<file path=ppt/slides/slide7.xml><?xml version="1.0" encoding="utf-8"?>
 <p:sld xmlns:a="http://schemas.openxmlformats.org/drawingml/2006/main" xmlns:r="http://schemas.openxmlformats.org/officeDocument/2006/relationships" xmlns:p="http://schemas.openxmlformats.org/presentationml/2006/main">
   <p:cSld>
     <p:bg>
@@ -8485,7 +8316,7 @@
 </p:sld>
 </file>
 
-<file path=ppt/slides/slide9.xml><?xml version="1.0" encoding="utf-8"?>
+<file path=ppt/slides/slide8.xml><?xml version="1.0" encoding="utf-8"?>
 <p:sld xmlns:a="http://schemas.openxmlformats.org/drawingml/2006/main" xmlns:r="http://schemas.openxmlformats.org/officeDocument/2006/relationships" xmlns:p="http://schemas.openxmlformats.org/presentationml/2006/main">
   <p:cSld>
     <p:bg>
@@ -9379,6 +9210,175 @@
       </p:par>
     </p:tnLst>
   </p:timing>
+</p:sld>
+</file>
+
+<file path=ppt/slides/slide9.xml><?xml version="1.0" encoding="utf-8"?>
+<p:sld xmlns:a="http://schemas.openxmlformats.org/drawingml/2006/main" xmlns:r="http://schemas.openxmlformats.org/officeDocument/2006/relationships" xmlns:p="http://schemas.openxmlformats.org/presentationml/2006/main">
+  <p:cSld>
+    <p:bg>
+      <p:bgPr>
+        <a:blipFill dpi="0" rotWithShape="1">
+          <a:blip r:embed="rId2">
+            <a:lum/>
+          </a:blip>
+          <a:srcRect/>
+          <a:stretch>
+            <a:fillRect/>
+          </a:stretch>
+        </a:blipFill>
+        <a:effectLst/>
+      </p:bgPr>
+    </p:bg>
+    <p:spTree>
+      <p:nvGrpSpPr>
+        <p:cNvPr id="1" name="">
+          <a:extLst>
+            <a:ext uri="{FF2B5EF4-FFF2-40B4-BE49-F238E27FC236}">
+              <a16:creationId xmlns:a16="http://schemas.microsoft.com/office/drawing/2014/main" id="{498C4AA6-9A7A-D9E5-5383-459CD17F43FE}"/>
+            </a:ext>
+          </a:extLst>
+        </p:cNvPr>
+        <p:cNvGrpSpPr/>
+        <p:nvPr/>
+      </p:nvGrpSpPr>
+      <p:grpSpPr>
+        <a:xfrm>
+          <a:off x="0" y="0"/>
+          <a:ext cx="0" cy="0"/>
+          <a:chOff x="0" y="0"/>
+          <a:chExt cx="0" cy="0"/>
+        </a:xfrm>
+      </p:grpSpPr>
+      <p:sp>
+        <p:nvSpPr>
+          <p:cNvPr id="4" name="Metin kutusu 3">
+            <a:extLst>
+              <a:ext uri="{FF2B5EF4-FFF2-40B4-BE49-F238E27FC236}">
+                <a16:creationId xmlns:a16="http://schemas.microsoft.com/office/drawing/2014/main" id="{ECEEADF5-D160-7812-350C-75703161FF99}"/>
+              </a:ext>
+            </a:extLst>
+          </p:cNvPr>
+          <p:cNvSpPr txBox="1">
+            <a:spLocks/>
+          </p:cNvSpPr>
+          <p:nvPr/>
+        </p:nvSpPr>
+        <p:spPr>
+          <a:xfrm>
+            <a:off x="455849" y="407657"/>
+            <a:ext cx="11239965" cy="708763"/>
+          </a:xfrm>
+          <a:prstGeom prst="rect">
+            <a:avLst/>
+          </a:prstGeom>
+          <a:noFill/>
+        </p:spPr>
+        <p:txBody>
+          <a:bodyPr wrap="square" rtlCol="0">
+            <a:normAutofit/>
+          </a:bodyPr>
+          <a:lstStyle/>
+          <a:p>
+            <a:pPr marL="0" lvl="0" indent="0" algn="l" rtl="0">
+              <a:spcBef>
+                <a:spcPts val="0"/>
+              </a:spcBef>
+              <a:spcAft>
+                <a:spcPts val="0"/>
+              </a:spcAft>
+              <a:buNone/>
+            </a:pPr>
+            <a:r>
+              <a:rPr lang="tr-TR" sz="3600" b="1" dirty="0">
+                <a:solidFill>
+                  <a:srgbClr val="292D33"/>
+                </a:solidFill>
+                <a:latin typeface="Lexend"/>
+                <a:ea typeface="Lexend"/>
+                <a:cs typeface="Lexend"/>
+                <a:sym typeface="Lexend"/>
+              </a:rPr>
+              <a:t>TODO</a:t>
+            </a:r>
+            <a:endParaRPr lang="tr-TR" sz="3600" dirty="0">
+              <a:solidFill>
+                <a:srgbClr val="292D33"/>
+              </a:solidFill>
+              <a:latin typeface="Lexend"/>
+              <a:ea typeface="Lexend"/>
+              <a:cs typeface="Lexend"/>
+              <a:sym typeface="Lexend"/>
+            </a:endParaRPr>
+          </a:p>
+        </p:txBody>
+      </p:sp>
+      <p:sp>
+        <p:nvSpPr>
+          <p:cNvPr id="14" name="Metin kutusu 13">
+            <a:extLst>
+              <a:ext uri="{FF2B5EF4-FFF2-40B4-BE49-F238E27FC236}">
+                <a16:creationId xmlns:a16="http://schemas.microsoft.com/office/drawing/2014/main" id="{82FA96C3-F475-3CDF-F28D-E0DC430A1B0D}"/>
+              </a:ext>
+            </a:extLst>
+          </p:cNvPr>
+          <p:cNvSpPr txBox="1"/>
+          <p:nvPr/>
+        </p:nvSpPr>
+        <p:spPr>
+          <a:xfrm>
+            <a:off x="455846" y="1250909"/>
+            <a:ext cx="11239964" cy="4746130"/>
+          </a:xfrm>
+          <a:prstGeom prst="rect">
+            <a:avLst/>
+          </a:prstGeom>
+          <a:noFill/>
+        </p:spPr>
+        <p:txBody>
+          <a:bodyPr wrap="square" rtlCol="0">
+            <a:normAutofit/>
+          </a:bodyPr>
+          <a:lstStyle/>
+          <a:p>
+            <a:pPr marL="285750" indent="-285750">
+              <a:buFont typeface="Arial" panose="020B0604020202020204" pitchFamily="34" charset="0"/>
+              <a:buChar char="•"/>
+            </a:pPr>
+            <a:r>
+              <a:rPr lang="tr-TR" sz="2800" dirty="0">
+                <a:solidFill>
+                  <a:srgbClr val="5C6571"/>
+                </a:solidFill>
+                <a:latin typeface="Poppins" pitchFamily="2" charset="0"/>
+                <a:ea typeface="Poppins"/>
+                <a:cs typeface="Poppins" pitchFamily="2" charset="0"/>
+                <a:sym typeface="Poppins"/>
+              </a:rPr>
+              <a:t>TODO</a:t>
+            </a:r>
+            <a:endParaRPr lang="en-US" sz="2800" b="1" dirty="0">
+              <a:solidFill>
+                <a:srgbClr val="5C6571"/>
+              </a:solidFill>
+              <a:latin typeface="Poppins SemiBold" pitchFamily="2" charset="0"/>
+              <a:ea typeface="Poppins"/>
+              <a:cs typeface="Poppins SemiBold" pitchFamily="2" charset="0"/>
+              <a:sym typeface="Poppins"/>
+            </a:endParaRPr>
+          </a:p>
+        </p:txBody>
+      </p:sp>
+    </p:spTree>
+    <p:extLst>
+      <p:ext uri="{BB962C8B-B14F-4D97-AF65-F5344CB8AC3E}">
+        <p14:creationId xmlns:p14="http://schemas.microsoft.com/office/powerpoint/2010/main" val="2434671945"/>
+      </p:ext>
+    </p:extLst>
+  </p:cSld>
+  <p:clrMapOvr>
+    <a:masterClrMapping/>
+  </p:clrMapOvr>
 </p:sld>
 </file>
 

--- a/2025-12-18 ABP Community Talks 2025.10/ABP Comm Talks 2025.10 Intro.pptx
+++ b/2025-12-18 ABP Community Talks 2025.10/ABP Comm Talks 2025.10 Intro.pptx
@@ -5,7 +5,7 @@
     <p:sldMasterId id="2147483648" r:id="rId1"/>
   </p:sldMasterIdLst>
   <p:notesMasterIdLst>
-    <p:notesMasterId r:id="rId12"/>
+    <p:notesMasterId r:id="rId10"/>
   </p:notesMasterIdLst>
   <p:sldIdLst>
     <p:sldId id="256" r:id="rId2"/>
@@ -16,8 +16,6 @@
     <p:sldId id="288" r:id="rId7"/>
     <p:sldId id="284" r:id="rId8"/>
     <p:sldId id="285" r:id="rId9"/>
-    <p:sldId id="291" r:id="rId10"/>
-    <p:sldId id="280" r:id="rId11"/>
   </p:sldIdLst>
   <p:sldSz cx="12192000" cy="6858000"/>
   <p:notesSz cx="6858000" cy="9144000"/>
@@ -206,7 +204,7 @@
           <a:p>
             <a:fld id="{AD8AE268-3FB1-8B49-A7E8-783BB6480738}" type="datetimeFigureOut">
               <a:rPr lang="tr-TR" smtClean="0"/>
-              <a:t>11.12.2025</a:t>
+              <a:t>18.12.2025</a:t>
             </a:fld>
             <a:endParaRPr lang="tr-TR"/>
           </a:p>
@@ -620,7 +618,7 @@
           <a:p>
             <a:fld id="{BBFF5D94-9F9C-DF48-BC1C-1A1DDC476D4B}" type="datetimeFigureOut">
               <a:rPr lang="tr-TR" smtClean="0"/>
-              <a:t>11.12.2025</a:t>
+              <a:t>18.12.2025</a:t>
             </a:fld>
             <a:endParaRPr lang="tr-TR"/>
           </a:p>
@@ -818,7 +816,7 @@
           <a:p>
             <a:fld id="{BBFF5D94-9F9C-DF48-BC1C-1A1DDC476D4B}" type="datetimeFigureOut">
               <a:rPr lang="tr-TR" smtClean="0"/>
-              <a:t>11.12.2025</a:t>
+              <a:t>18.12.2025</a:t>
             </a:fld>
             <a:endParaRPr lang="tr-TR"/>
           </a:p>
@@ -1026,7 +1024,7 @@
           <a:p>
             <a:fld id="{BBFF5D94-9F9C-DF48-BC1C-1A1DDC476D4B}" type="datetimeFigureOut">
               <a:rPr lang="tr-TR" smtClean="0"/>
-              <a:t>11.12.2025</a:t>
+              <a:t>18.12.2025</a:t>
             </a:fld>
             <a:endParaRPr lang="tr-TR"/>
           </a:p>
@@ -1224,7 +1222,7 @@
           <a:p>
             <a:fld id="{BBFF5D94-9F9C-DF48-BC1C-1A1DDC476D4B}" type="datetimeFigureOut">
               <a:rPr lang="tr-TR" smtClean="0"/>
-              <a:t>11.12.2025</a:t>
+              <a:t>18.12.2025</a:t>
             </a:fld>
             <a:endParaRPr lang="tr-TR"/>
           </a:p>
@@ -1499,7 +1497,7 @@
           <a:p>
             <a:fld id="{BBFF5D94-9F9C-DF48-BC1C-1A1DDC476D4B}" type="datetimeFigureOut">
               <a:rPr lang="tr-TR" smtClean="0"/>
-              <a:t>11.12.2025</a:t>
+              <a:t>18.12.2025</a:t>
             </a:fld>
             <a:endParaRPr lang="tr-TR"/>
           </a:p>
@@ -1764,7 +1762,7 @@
           <a:p>
             <a:fld id="{BBFF5D94-9F9C-DF48-BC1C-1A1DDC476D4B}" type="datetimeFigureOut">
               <a:rPr lang="tr-TR" smtClean="0"/>
-              <a:t>11.12.2025</a:t>
+              <a:t>18.12.2025</a:t>
             </a:fld>
             <a:endParaRPr lang="tr-TR"/>
           </a:p>
@@ -2176,7 +2174,7 @@
           <a:p>
             <a:fld id="{BBFF5D94-9F9C-DF48-BC1C-1A1DDC476D4B}" type="datetimeFigureOut">
               <a:rPr lang="tr-TR" smtClean="0"/>
-              <a:t>11.12.2025</a:t>
+              <a:t>18.12.2025</a:t>
             </a:fld>
             <a:endParaRPr lang="tr-TR"/>
           </a:p>
@@ -2317,7 +2315,7 @@
           <a:p>
             <a:fld id="{BBFF5D94-9F9C-DF48-BC1C-1A1DDC476D4B}" type="datetimeFigureOut">
               <a:rPr lang="tr-TR" smtClean="0"/>
-              <a:t>11.12.2025</a:t>
+              <a:t>18.12.2025</a:t>
             </a:fld>
             <a:endParaRPr lang="tr-TR"/>
           </a:p>
@@ -2430,7 +2428,7 @@
           <a:p>
             <a:fld id="{BBFF5D94-9F9C-DF48-BC1C-1A1DDC476D4B}" type="datetimeFigureOut">
               <a:rPr lang="tr-TR" smtClean="0"/>
-              <a:t>11.12.2025</a:t>
+              <a:t>18.12.2025</a:t>
             </a:fld>
             <a:endParaRPr lang="tr-TR"/>
           </a:p>
@@ -2741,7 +2739,7 @@
           <a:p>
             <a:fld id="{BBFF5D94-9F9C-DF48-BC1C-1A1DDC476D4B}" type="datetimeFigureOut">
               <a:rPr lang="tr-TR" smtClean="0"/>
-              <a:t>11.12.2025</a:t>
+              <a:t>18.12.2025</a:t>
             </a:fld>
             <a:endParaRPr lang="tr-TR"/>
           </a:p>
@@ -3029,7 +3027,7 @@
           <a:p>
             <a:fld id="{BBFF5D94-9F9C-DF48-BC1C-1A1DDC476D4B}" type="datetimeFigureOut">
               <a:rPr lang="tr-TR" smtClean="0"/>
-              <a:t>11.12.2025</a:t>
+              <a:t>18.12.2025</a:t>
             </a:fld>
             <a:endParaRPr lang="tr-TR"/>
           </a:p>
@@ -3270,7 +3268,7 @@
           <a:p>
             <a:fld id="{BBFF5D94-9F9C-DF48-BC1C-1A1DDC476D4B}" type="datetimeFigureOut">
               <a:rPr lang="tr-TR" smtClean="0"/>
-              <a:t>11.12.2025</a:t>
+              <a:t>18.12.2025</a:t>
             </a:fld>
             <a:endParaRPr lang="tr-TR"/>
           </a:p>
@@ -3747,7 +3745,7 @@
         </p:nvSpPr>
         <p:spPr>
           <a:xfrm>
-            <a:off x="690566" y="1621558"/>
+            <a:off x="690566" y="2373587"/>
             <a:ext cx="10345109" cy="2873529"/>
           </a:xfrm>
           <a:prstGeom prst="rect">
@@ -3757,7 +3755,7 @@
         </p:spPr>
         <p:txBody>
           <a:bodyPr wrap="square" rtlCol="0">
-            <a:normAutofit/>
+            <a:normAutofit fontScale="92500" lnSpcReduction="10000"/>
           </a:bodyPr>
           <a:lstStyle/>
           <a:p>
@@ -3771,7 +3769,7 @@
               <a:buNone/>
             </a:pPr>
             <a:r>
-              <a:rPr lang="en-US" sz="4500" b="1" dirty="0">
+              <a:rPr lang="en-US" sz="5400" b="1" dirty="0">
                 <a:solidFill>
                   <a:schemeClr val="tx1">
                     <a:lumMod val="95000"/>
@@ -3786,7 +3784,7 @@
               <a:t>Building AI-Powered .NET Apps with ABP &amp; Microsoft Agent Framework</a:t>
             </a:r>
             <a:br>
-              <a:rPr lang="tr-TR" sz="4500" b="1" dirty="0">
+              <a:rPr lang="tr-TR" sz="5400" b="1" dirty="0">
                 <a:solidFill>
                   <a:schemeClr val="tx1">
                     <a:lumMod val="95000"/>
@@ -3799,7 +3797,7 @@
                 <a:sym typeface="Lexend"/>
               </a:rPr>
             </a:br>
-            <a:endParaRPr lang="tr-TR" sz="4500" b="1" dirty="0">
+            <a:endParaRPr lang="tr-TR" sz="5400" b="1" dirty="0">
               <a:solidFill>
                 <a:schemeClr val="tx1">
                   <a:lumMod val="95000"/>
@@ -3814,70 +3812,6 @@
           </a:p>
         </p:txBody>
       </p:sp>
-      <p:pic>
-        <p:nvPicPr>
-          <p:cNvPr id="15" name="Google Shape;82;p3">
-            <a:extLst>
-              <a:ext uri="{FF2B5EF4-FFF2-40B4-BE49-F238E27FC236}">
-                <a16:creationId xmlns:a16="http://schemas.microsoft.com/office/drawing/2014/main" id="{B25361F7-0FA7-054C-DCA8-FF866A07E270}"/>
-              </a:ext>
-            </a:extLst>
-          </p:cNvPr>
-          <p:cNvPicPr preferRelativeResize="0"/>
-          <p:nvPr/>
-        </p:nvPicPr>
-        <p:blipFill>
-          <a:blip r:embed="rId4">
-            <a:alphaModFix/>
-          </a:blip>
-          <a:stretch>
-            <a:fillRect/>
-          </a:stretch>
-        </p:blipFill>
-        <p:spPr>
-          <a:xfrm>
-            <a:off x="8699242" y="3361290"/>
-            <a:ext cx="2957700" cy="2957700"/>
-          </a:xfrm>
-          <a:prstGeom prst="rect">
-            <a:avLst/>
-          </a:prstGeom>
-          <a:noFill/>
-          <a:ln>
-            <a:noFill/>
-          </a:ln>
-        </p:spPr>
-      </p:pic>
-      <p:pic>
-        <p:nvPicPr>
-          <p:cNvPr id="19" name="Resim 18" descr="kalıp, desen, düzen, grafik, grafik tasarım, tasarım içeren bir resim&#10;&#10;Açıklama otomatik olarak oluşturuldu">
-            <a:extLst>
-              <a:ext uri="{FF2B5EF4-FFF2-40B4-BE49-F238E27FC236}">
-                <a16:creationId xmlns:a16="http://schemas.microsoft.com/office/drawing/2014/main" id="{BAA39AE7-D742-BC06-6EE1-563EED2DE7DD}"/>
-              </a:ext>
-            </a:extLst>
-          </p:cNvPr>
-          <p:cNvPicPr>
-            <a:picLocks noChangeAspect="1"/>
-          </p:cNvPicPr>
-          <p:nvPr/>
-        </p:nvPicPr>
-        <p:blipFill>
-          <a:blip r:embed="rId5"/>
-          <a:stretch>
-            <a:fillRect/>
-          </a:stretch>
-        </p:blipFill>
-        <p:spPr>
-          <a:xfrm>
-            <a:off x="8918182" y="3573458"/>
-            <a:ext cx="2519817" cy="2533364"/>
-          </a:xfrm>
-          <a:prstGeom prst="rect">
-            <a:avLst/>
-          </a:prstGeom>
-        </p:spPr>
-      </p:pic>
       <p:sp>
         <p:nvSpPr>
           <p:cNvPr id="3" name="TextBox 2">
@@ -3943,805 +3877,6 @@
   <p:clrMapOvr>
     <a:masterClrMapping/>
   </p:clrMapOvr>
-</p:sld>
-</file>
-
-<file path=ppt/slides/slide10.xml><?xml version="1.0" encoding="utf-8"?>
-<p:sld xmlns:a="http://schemas.openxmlformats.org/drawingml/2006/main" xmlns:r="http://schemas.openxmlformats.org/officeDocument/2006/relationships" xmlns:p="http://schemas.openxmlformats.org/presentationml/2006/main">
-  <p:cSld>
-    <p:bg>
-      <p:bgPr>
-        <a:blipFill dpi="0" rotWithShape="1">
-          <a:blip r:embed="rId2">
-            <a:lum/>
-          </a:blip>
-          <a:srcRect/>
-          <a:stretch>
-            <a:fillRect/>
-          </a:stretch>
-        </a:blipFill>
-        <a:effectLst/>
-      </p:bgPr>
-    </p:bg>
-    <p:spTree>
-      <p:nvGrpSpPr>
-        <p:cNvPr id="1" name="">
-          <a:extLst>
-            <a:ext uri="{FF2B5EF4-FFF2-40B4-BE49-F238E27FC236}">
-              <a16:creationId xmlns:a16="http://schemas.microsoft.com/office/drawing/2014/main" id="{2EFEB56F-6A6E-CDE3-46C9-D37CD01B2C77}"/>
-            </a:ext>
-          </a:extLst>
-        </p:cNvPr>
-        <p:cNvGrpSpPr/>
-        <p:nvPr/>
-      </p:nvGrpSpPr>
-      <p:grpSpPr>
-        <a:xfrm>
-          <a:off x="0" y="0"/>
-          <a:ext cx="0" cy="0"/>
-          <a:chOff x="0" y="0"/>
-          <a:chExt cx="0" cy="0"/>
-        </a:xfrm>
-      </p:grpSpPr>
-      <p:sp>
-        <p:nvSpPr>
-          <p:cNvPr id="4" name="Metin kutusu 3">
-            <a:extLst>
-              <a:ext uri="{FF2B5EF4-FFF2-40B4-BE49-F238E27FC236}">
-                <a16:creationId xmlns:a16="http://schemas.microsoft.com/office/drawing/2014/main" id="{FDF85AA1-8AD9-A927-B6CF-0807D4762A5F}"/>
-              </a:ext>
-            </a:extLst>
-          </p:cNvPr>
-          <p:cNvSpPr txBox="1">
-            <a:spLocks/>
-          </p:cNvSpPr>
-          <p:nvPr/>
-        </p:nvSpPr>
-        <p:spPr>
-          <a:xfrm>
-            <a:off x="455849" y="407657"/>
-            <a:ext cx="11239965" cy="708763"/>
-          </a:xfrm>
-          <a:prstGeom prst="rect">
-            <a:avLst/>
-          </a:prstGeom>
-          <a:noFill/>
-        </p:spPr>
-        <p:txBody>
-          <a:bodyPr wrap="square" rtlCol="0">
-            <a:normAutofit/>
-          </a:bodyPr>
-          <a:lstStyle/>
-          <a:p>
-            <a:pPr marL="0" lvl="0" indent="0" algn="l" rtl="0">
-              <a:spcBef>
-                <a:spcPts val="0"/>
-              </a:spcBef>
-              <a:spcAft>
-                <a:spcPts val="0"/>
-              </a:spcAft>
-              <a:buNone/>
-            </a:pPr>
-            <a:r>
-              <a:rPr lang="tr-TR" sz="3600" b="1" dirty="0">
-                <a:solidFill>
-                  <a:srgbClr val="292D33"/>
-                </a:solidFill>
-                <a:latin typeface="Lexend"/>
-                <a:ea typeface="Lexend"/>
-                <a:cs typeface="Lexend"/>
-                <a:sym typeface="Lexend"/>
-              </a:rPr>
-              <a:t>Agenda</a:t>
-            </a:r>
-            <a:endParaRPr lang="tr-TR" sz="3600" dirty="0">
-              <a:solidFill>
-                <a:srgbClr val="292D33"/>
-              </a:solidFill>
-              <a:latin typeface="Lexend"/>
-              <a:ea typeface="Lexend"/>
-              <a:cs typeface="Lexend"/>
-              <a:sym typeface="Lexend"/>
-            </a:endParaRPr>
-          </a:p>
-        </p:txBody>
-      </p:sp>
-      <p:sp>
-        <p:nvSpPr>
-          <p:cNvPr id="14" name="Metin kutusu 13">
-            <a:extLst>
-              <a:ext uri="{FF2B5EF4-FFF2-40B4-BE49-F238E27FC236}">
-                <a16:creationId xmlns:a16="http://schemas.microsoft.com/office/drawing/2014/main" id="{9E68AE78-0DC6-55E3-D23B-0DDA53B29FF4}"/>
-              </a:ext>
-            </a:extLst>
-          </p:cNvPr>
-          <p:cNvSpPr txBox="1"/>
-          <p:nvPr/>
-        </p:nvSpPr>
-        <p:spPr>
-          <a:xfrm>
-            <a:off x="455846" y="1250909"/>
-            <a:ext cx="11239964" cy="4746130"/>
-          </a:xfrm>
-          <a:prstGeom prst="rect">
-            <a:avLst/>
-          </a:prstGeom>
-          <a:noFill/>
-        </p:spPr>
-        <p:txBody>
-          <a:bodyPr wrap="square" rtlCol="0">
-            <a:normAutofit/>
-          </a:bodyPr>
-          <a:lstStyle/>
-          <a:p>
-            <a:pPr marL="285750" indent="-285750">
-              <a:buFont typeface="Arial" panose="020B0604020202020204" pitchFamily="34" charset="0"/>
-              <a:buChar char="•"/>
-            </a:pPr>
-            <a:r>
-              <a:rPr lang="tr-TR" sz="2800" dirty="0">
-                <a:solidFill>
-                  <a:srgbClr val="5C6571"/>
-                </a:solidFill>
-                <a:latin typeface="Poppins" pitchFamily="2" charset="0"/>
-                <a:ea typeface="Poppins"/>
-                <a:cs typeface="Poppins" pitchFamily="2" charset="0"/>
-                <a:sym typeface="Poppins"/>
-              </a:rPr>
-              <a:t>Overall</a:t>
-            </a:r>
-          </a:p>
-          <a:p>
-            <a:pPr marL="742950" lvl="1" indent="-285750">
-              <a:buFont typeface="Arial" panose="020B0604020202020204" pitchFamily="34" charset="0"/>
-              <a:buChar char="•"/>
-            </a:pPr>
-            <a:r>
-              <a:rPr lang="en-US" sz="2800" dirty="0">
-                <a:solidFill>
-                  <a:srgbClr val="5C6571"/>
-                </a:solidFill>
-                <a:latin typeface="Poppins" pitchFamily="2" charset="0"/>
-                <a:ea typeface="Poppins"/>
-                <a:cs typeface="Poppins" pitchFamily="2" charset="0"/>
-                <a:sym typeface="Poppins"/>
-              </a:rPr>
-              <a:t>Microsoft</a:t>
-            </a:r>
-            <a:r>
-              <a:rPr lang="tr-TR" sz="2800" dirty="0">
-                <a:solidFill>
-                  <a:srgbClr val="5C6571"/>
-                </a:solidFill>
-                <a:latin typeface="Poppins" pitchFamily="2" charset="0"/>
-                <a:ea typeface="Poppins"/>
-                <a:cs typeface="Poppins" pitchFamily="2" charset="0"/>
-                <a:sym typeface="Poppins"/>
-              </a:rPr>
-              <a:t>’s</a:t>
-            </a:r>
-            <a:r>
-              <a:rPr lang="en-US" sz="2800" dirty="0">
-                <a:solidFill>
-                  <a:srgbClr val="5C6571"/>
-                </a:solidFill>
-                <a:latin typeface="Poppins" pitchFamily="2" charset="0"/>
-                <a:ea typeface="Poppins"/>
-                <a:cs typeface="Poppins" pitchFamily="2" charset="0"/>
-                <a:sym typeface="Poppins"/>
-              </a:rPr>
-              <a:t> </a:t>
-            </a:r>
-            <a:r>
-              <a:rPr lang="en-US" sz="2800" b="1" dirty="0">
-                <a:solidFill>
-                  <a:srgbClr val="5C6571"/>
-                </a:solidFill>
-                <a:latin typeface="Poppins" pitchFamily="2" charset="0"/>
-                <a:ea typeface="Poppins"/>
-                <a:cs typeface="Poppins" pitchFamily="2" charset="0"/>
-                <a:sym typeface="Poppins"/>
-              </a:rPr>
-              <a:t>AI libraries</a:t>
-            </a:r>
-            <a:r>
-              <a:rPr lang="tr-TR" sz="2800" b="1" dirty="0">
-                <a:solidFill>
-                  <a:srgbClr val="5C6571"/>
-                </a:solidFill>
-                <a:latin typeface="Poppins" pitchFamily="2" charset="0"/>
-                <a:ea typeface="Poppins"/>
-                <a:cs typeface="Poppins" pitchFamily="2" charset="0"/>
-                <a:sym typeface="Poppins"/>
-              </a:rPr>
-              <a:t>/frameworks</a:t>
-            </a:r>
-            <a:endParaRPr lang="tr-TR" sz="2800" dirty="0">
-              <a:solidFill>
-                <a:srgbClr val="5C6571"/>
-              </a:solidFill>
-              <a:latin typeface="Poppins" pitchFamily="2" charset="0"/>
-              <a:ea typeface="Poppins"/>
-              <a:cs typeface="Poppins" pitchFamily="2" charset="0"/>
-              <a:sym typeface="Poppins"/>
-            </a:endParaRPr>
-          </a:p>
-          <a:p>
-            <a:pPr marL="742950" lvl="1" indent="-285750">
-              <a:buFont typeface="Arial" panose="020B0604020202020204" pitchFamily="34" charset="0"/>
-              <a:buChar char="•"/>
-            </a:pPr>
-            <a:r>
-              <a:rPr lang="tr-TR" sz="2800" dirty="0">
-                <a:solidFill>
-                  <a:srgbClr val="5C6571"/>
-                </a:solidFill>
-                <a:latin typeface="Poppins" pitchFamily="2" charset="0"/>
-                <a:ea typeface="Poppins"/>
-                <a:cs typeface="Poppins" pitchFamily="2" charset="0"/>
-                <a:sym typeface="Poppins"/>
-              </a:rPr>
-              <a:t>AI for </a:t>
-            </a:r>
-            <a:r>
-              <a:rPr lang="tr-TR" sz="2800" b="1" dirty="0">
-                <a:solidFill>
-                  <a:srgbClr val="5C6571"/>
-                </a:solidFill>
-                <a:latin typeface="Poppins" pitchFamily="2" charset="0"/>
-                <a:ea typeface="Poppins"/>
-                <a:cs typeface="Poppins" pitchFamily="2" charset="0"/>
-                <a:sym typeface="Poppins"/>
-              </a:rPr>
-              <a:t>ABP </a:t>
-            </a:r>
-            <a:r>
-              <a:rPr lang="tr-TR" sz="2800" dirty="0">
-                <a:solidFill>
-                  <a:srgbClr val="5C6571"/>
-                </a:solidFill>
-                <a:latin typeface="Poppins" pitchFamily="2" charset="0"/>
-                <a:ea typeface="Poppins"/>
-                <a:cs typeface="Poppins" pitchFamily="2" charset="0"/>
-                <a:sym typeface="Poppins"/>
-              </a:rPr>
-              <a:t>Developers</a:t>
-            </a:r>
-            <a:endParaRPr lang="en-US" sz="2800" dirty="0">
-              <a:solidFill>
-                <a:srgbClr val="5C6571"/>
-              </a:solidFill>
-              <a:latin typeface="Poppins" pitchFamily="2" charset="0"/>
-              <a:ea typeface="Poppins"/>
-              <a:cs typeface="Poppins" pitchFamily="2" charset="0"/>
-              <a:sym typeface="Poppins"/>
-            </a:endParaRPr>
-          </a:p>
-          <a:p>
-            <a:pPr marL="285750" indent="-285750">
-              <a:buFont typeface="Arial" panose="020B0604020202020204" pitchFamily="34" charset="0"/>
-              <a:buChar char="•"/>
-            </a:pPr>
-            <a:r>
-              <a:rPr lang="tr-TR" sz="2800" dirty="0">
-                <a:solidFill>
-                  <a:srgbClr val="5C6571"/>
-                </a:solidFill>
-                <a:latin typeface="Poppins" pitchFamily="2" charset="0"/>
-                <a:ea typeface="Poppins"/>
-                <a:cs typeface="Poppins" pitchFamily="2" charset="0"/>
-                <a:sym typeface="Poppins"/>
-              </a:rPr>
-              <a:t>The Microsoft </a:t>
-            </a:r>
-            <a:r>
-              <a:rPr lang="tr-TR" sz="2800" b="1" dirty="0">
-                <a:solidFill>
-                  <a:srgbClr val="5C6571"/>
-                </a:solidFill>
-                <a:latin typeface="Poppins" pitchFamily="2" charset="0"/>
-                <a:ea typeface="Poppins"/>
-                <a:cs typeface="Poppins" pitchFamily="2" charset="0"/>
-                <a:sym typeface="Poppins"/>
-              </a:rPr>
-              <a:t>Agent Framework </a:t>
-            </a:r>
-            <a:r>
-              <a:rPr lang="tr-TR" sz="2800" i="1" dirty="0">
-                <a:solidFill>
-                  <a:srgbClr val="5C6571"/>
-                </a:solidFill>
-                <a:latin typeface="Poppins" pitchFamily="2" charset="0"/>
-                <a:ea typeface="Poppins"/>
-                <a:cs typeface="Poppins" pitchFamily="2" charset="0"/>
-                <a:sym typeface="Poppins"/>
-              </a:rPr>
-              <a:t>by Engin Veske</a:t>
-            </a:r>
-            <a:endParaRPr lang="en-US" sz="2800" i="1" dirty="0">
-              <a:solidFill>
-                <a:srgbClr val="5C6571"/>
-              </a:solidFill>
-              <a:latin typeface="Poppins" pitchFamily="2" charset="0"/>
-              <a:ea typeface="Poppins"/>
-              <a:cs typeface="Poppins" pitchFamily="2" charset="0"/>
-              <a:sym typeface="Poppins"/>
-            </a:endParaRPr>
-          </a:p>
-          <a:p>
-            <a:pPr marL="285750" indent="-285750">
-              <a:buFont typeface="Arial" panose="020B0604020202020204" pitchFamily="34" charset="0"/>
-              <a:buChar char="•"/>
-            </a:pPr>
-            <a:r>
-              <a:rPr lang="tr-TR" sz="2800" dirty="0">
-                <a:solidFill>
-                  <a:srgbClr val="5C6571"/>
-                </a:solidFill>
-                <a:latin typeface="Poppins" pitchFamily="2" charset="0"/>
-                <a:ea typeface="Poppins"/>
-                <a:cs typeface="Poppins" pitchFamily="2" charset="0"/>
-                <a:sym typeface="Poppins"/>
-              </a:rPr>
-              <a:t>ABP </a:t>
-            </a:r>
-            <a:r>
-              <a:rPr lang="tr-TR" sz="2800" b="1" dirty="0">
-                <a:solidFill>
-                  <a:srgbClr val="5C6571"/>
-                </a:solidFill>
-                <a:latin typeface="Poppins" pitchFamily="2" charset="0"/>
-                <a:ea typeface="Poppins"/>
-                <a:cs typeface="Poppins" pitchFamily="2" charset="0"/>
-                <a:sym typeface="Poppins"/>
-              </a:rPr>
-              <a:t>AI Management Module</a:t>
-            </a:r>
-            <a:r>
-              <a:rPr lang="tr-TR" sz="2800" dirty="0">
-                <a:solidFill>
-                  <a:srgbClr val="5C6571"/>
-                </a:solidFill>
-                <a:latin typeface="Poppins" pitchFamily="2" charset="0"/>
-                <a:ea typeface="Poppins"/>
-                <a:cs typeface="Poppins" pitchFamily="2" charset="0"/>
-                <a:sym typeface="Poppins"/>
-              </a:rPr>
-              <a:t> </a:t>
-            </a:r>
-            <a:r>
-              <a:rPr lang="tr-TR" sz="2800" i="1" dirty="0">
-                <a:solidFill>
-                  <a:srgbClr val="5C6571"/>
-                </a:solidFill>
-                <a:latin typeface="Poppins" pitchFamily="2" charset="0"/>
-                <a:ea typeface="Poppins"/>
-                <a:cs typeface="Poppins" pitchFamily="2" charset="0"/>
-                <a:sym typeface="Poppins"/>
-              </a:rPr>
-              <a:t>by Enis Necipoğlu</a:t>
-            </a:r>
-            <a:endParaRPr lang="en-US" sz="2800" i="1" dirty="0">
-              <a:solidFill>
-                <a:srgbClr val="5C6571"/>
-              </a:solidFill>
-              <a:latin typeface="Poppins" pitchFamily="2" charset="0"/>
-              <a:ea typeface="Poppins"/>
-              <a:cs typeface="Poppins" pitchFamily="2" charset="0"/>
-              <a:sym typeface="Poppins"/>
-            </a:endParaRPr>
-          </a:p>
-          <a:p>
-            <a:pPr marL="285750" indent="-285750">
-              <a:buFont typeface="Arial" panose="020B0604020202020204" pitchFamily="34" charset="0"/>
-              <a:buChar char="•"/>
-            </a:pPr>
-            <a:r>
-              <a:rPr lang="tr-TR" sz="2800" b="1" dirty="0">
-                <a:solidFill>
-                  <a:srgbClr val="5C6571"/>
-                </a:solidFill>
-                <a:latin typeface="Poppins" pitchFamily="2" charset="0"/>
-                <a:ea typeface="Poppins"/>
-                <a:cs typeface="Poppins" pitchFamily="2" charset="0"/>
-                <a:sym typeface="Poppins"/>
-              </a:rPr>
-              <a:t>QA </a:t>
-            </a:r>
-            <a:r>
-              <a:rPr lang="tr-TR" sz="2800" dirty="0">
-                <a:solidFill>
-                  <a:srgbClr val="5C6571"/>
-                </a:solidFill>
-                <a:latin typeface="Poppins" pitchFamily="2" charset="0"/>
-                <a:ea typeface="Poppins"/>
-                <a:cs typeface="Poppins" pitchFamily="2" charset="0"/>
-                <a:sym typeface="Poppins"/>
-              </a:rPr>
-              <a:t>– ask your questions!</a:t>
-            </a:r>
-            <a:endParaRPr lang="en-US" sz="2800" dirty="0">
-              <a:solidFill>
-                <a:srgbClr val="5C6571"/>
-              </a:solidFill>
-              <a:latin typeface="Poppins SemiBold" pitchFamily="2" charset="0"/>
-              <a:ea typeface="Poppins"/>
-              <a:cs typeface="Poppins SemiBold" pitchFamily="2" charset="0"/>
-              <a:sym typeface="Poppins"/>
-            </a:endParaRPr>
-          </a:p>
-        </p:txBody>
-      </p:sp>
-    </p:spTree>
-    <p:extLst>
-      <p:ext uri="{BB962C8B-B14F-4D97-AF65-F5344CB8AC3E}">
-        <p14:creationId xmlns:p14="http://schemas.microsoft.com/office/powerpoint/2010/main" val="1706987494"/>
-      </p:ext>
-    </p:extLst>
-  </p:cSld>
-  <p:clrMapOvr>
-    <a:masterClrMapping/>
-  </p:clrMapOvr>
-  <p:timing>
-    <p:tnLst>
-      <p:par>
-        <p:cTn id="1" dur="indefinite" restart="never" nodeType="tmRoot">
-          <p:childTnLst>
-            <p:seq concurrent="1" nextAc="seek">
-              <p:cTn id="2" dur="indefinite" nodeType="mainSeq">
-                <p:childTnLst>
-                  <p:par>
-                    <p:cTn id="3" fill="hold">
-                      <p:stCondLst>
-                        <p:cond delay="indefinite"/>
-                      </p:stCondLst>
-                      <p:childTnLst>
-                        <p:par>
-                          <p:cTn id="4" fill="hold">
-                            <p:stCondLst>
-                              <p:cond delay="0"/>
-                            </p:stCondLst>
-                            <p:childTnLst>
-                              <p:par>
-                                <p:cTn id="5" presetID="10" presetClass="entr" presetSubtype="0" fill="hold" nodeType="clickEffect">
-                                  <p:stCondLst>
-                                    <p:cond delay="0"/>
-                                  </p:stCondLst>
-                                  <p:childTnLst>
-                                    <p:set>
-                                      <p:cBhvr>
-                                        <p:cTn id="6" dur="1" fill="hold">
-                                          <p:stCondLst>
-                                            <p:cond delay="0"/>
-                                          </p:stCondLst>
-                                        </p:cTn>
-                                        <p:tgtEl>
-                                          <p:spTgt spid="14">
-                                            <p:txEl>
-                                              <p:pRg st="0" end="0"/>
-                                            </p:txEl>
-                                          </p:spTgt>
-                                        </p:tgtEl>
-                                        <p:attrNameLst>
-                                          <p:attrName>style.visibility</p:attrName>
-                                        </p:attrNameLst>
-                                      </p:cBhvr>
-                                      <p:to>
-                                        <p:strVal val="visible"/>
-                                      </p:to>
-                                    </p:set>
-                                    <p:animEffect transition="in" filter="fade">
-                                      <p:cBhvr>
-                                        <p:cTn id="7" dur="500"/>
-                                        <p:tgtEl>
-                                          <p:spTgt spid="14">
-                                            <p:txEl>
-                                              <p:pRg st="0" end="0"/>
-                                            </p:txEl>
-                                          </p:spTgt>
-                                        </p:tgtEl>
-                                      </p:cBhvr>
-                                    </p:animEffect>
-                                  </p:childTnLst>
-                                </p:cTn>
-                              </p:par>
-                              <p:par>
-                                <p:cTn id="8" presetID="10" presetClass="entr" presetSubtype="0" fill="hold" nodeType="withEffect">
-                                  <p:stCondLst>
-                                    <p:cond delay="0"/>
-                                  </p:stCondLst>
-                                  <p:childTnLst>
-                                    <p:set>
-                                      <p:cBhvr>
-                                        <p:cTn id="9" dur="1" fill="hold">
-                                          <p:stCondLst>
-                                            <p:cond delay="0"/>
-                                          </p:stCondLst>
-                                        </p:cTn>
-                                        <p:tgtEl>
-                                          <p:spTgt spid="14">
-                                            <p:txEl>
-                                              <p:pRg st="1" end="1"/>
-                                            </p:txEl>
-                                          </p:spTgt>
-                                        </p:tgtEl>
-                                        <p:attrNameLst>
-                                          <p:attrName>style.visibility</p:attrName>
-                                        </p:attrNameLst>
-                                      </p:cBhvr>
-                                      <p:to>
-                                        <p:strVal val="visible"/>
-                                      </p:to>
-                                    </p:set>
-                                    <p:animEffect transition="in" filter="fade">
-                                      <p:cBhvr>
-                                        <p:cTn id="10" dur="500"/>
-                                        <p:tgtEl>
-                                          <p:spTgt spid="14">
-                                            <p:txEl>
-                                              <p:pRg st="1" end="1"/>
-                                            </p:txEl>
-                                          </p:spTgt>
-                                        </p:tgtEl>
-                                      </p:cBhvr>
-                                    </p:animEffect>
-                                  </p:childTnLst>
-                                </p:cTn>
-                              </p:par>
-                              <p:par>
-                                <p:cTn id="11" presetID="10" presetClass="entr" presetSubtype="0" fill="hold" nodeType="withEffect">
-                                  <p:stCondLst>
-                                    <p:cond delay="0"/>
-                                  </p:stCondLst>
-                                  <p:childTnLst>
-                                    <p:set>
-                                      <p:cBhvr>
-                                        <p:cTn id="12" dur="1" fill="hold">
-                                          <p:stCondLst>
-                                            <p:cond delay="0"/>
-                                          </p:stCondLst>
-                                        </p:cTn>
-                                        <p:tgtEl>
-                                          <p:spTgt spid="14">
-                                            <p:txEl>
-                                              <p:pRg st="2" end="2"/>
-                                            </p:txEl>
-                                          </p:spTgt>
-                                        </p:tgtEl>
-                                        <p:attrNameLst>
-                                          <p:attrName>style.visibility</p:attrName>
-                                        </p:attrNameLst>
-                                      </p:cBhvr>
-                                      <p:to>
-                                        <p:strVal val="visible"/>
-                                      </p:to>
-                                    </p:set>
-                                    <p:animEffect transition="in" filter="fade">
-                                      <p:cBhvr>
-                                        <p:cTn id="13" dur="500"/>
-                                        <p:tgtEl>
-                                          <p:spTgt spid="14">
-                                            <p:txEl>
-                                              <p:pRg st="2" end="2"/>
-                                            </p:txEl>
-                                          </p:spTgt>
-                                        </p:tgtEl>
-                                      </p:cBhvr>
-                                    </p:animEffect>
-                                  </p:childTnLst>
-                                </p:cTn>
-                              </p:par>
-                            </p:childTnLst>
-                          </p:cTn>
-                        </p:par>
-                      </p:childTnLst>
-                    </p:cTn>
-                  </p:par>
-                  <p:par>
-                    <p:cTn id="14" fill="hold">
-                      <p:stCondLst>
-                        <p:cond delay="indefinite"/>
-                      </p:stCondLst>
-                      <p:childTnLst>
-                        <p:par>
-                          <p:cTn id="15" fill="hold">
-                            <p:stCondLst>
-                              <p:cond delay="0"/>
-                            </p:stCondLst>
-                            <p:childTnLst>
-                              <p:par>
-                                <p:cTn id="16" presetID="10" presetClass="entr" presetSubtype="0" fill="hold" nodeType="clickEffect">
-                                  <p:stCondLst>
-                                    <p:cond delay="0"/>
-                                  </p:stCondLst>
-                                  <p:childTnLst>
-                                    <p:set>
-                                      <p:cBhvr>
-                                        <p:cTn id="17" dur="1" fill="hold">
-                                          <p:stCondLst>
-                                            <p:cond delay="0"/>
-                                          </p:stCondLst>
-                                        </p:cTn>
-                                        <p:tgtEl>
-                                          <p:spTgt spid="14">
-                                            <p:txEl>
-                                              <p:pRg st="3" end="3"/>
-                                            </p:txEl>
-                                          </p:spTgt>
-                                        </p:tgtEl>
-                                        <p:attrNameLst>
-                                          <p:attrName>style.visibility</p:attrName>
-                                        </p:attrNameLst>
-                                      </p:cBhvr>
-                                      <p:to>
-                                        <p:strVal val="visible"/>
-                                      </p:to>
-                                    </p:set>
-                                    <p:animEffect transition="in" filter="fade">
-                                      <p:cBhvr>
-                                        <p:cTn id="18" dur="500"/>
-                                        <p:tgtEl>
-                                          <p:spTgt spid="14">
-                                            <p:txEl>
-                                              <p:pRg st="3" end="3"/>
-                                            </p:txEl>
-                                          </p:spTgt>
-                                        </p:tgtEl>
-                                      </p:cBhvr>
-                                    </p:animEffect>
-                                  </p:childTnLst>
-                                </p:cTn>
-                              </p:par>
-                            </p:childTnLst>
-                          </p:cTn>
-                        </p:par>
-                      </p:childTnLst>
-                    </p:cTn>
-                  </p:par>
-                  <p:par>
-                    <p:cTn id="19" fill="hold">
-                      <p:stCondLst>
-                        <p:cond delay="indefinite"/>
-                      </p:stCondLst>
-                      <p:childTnLst>
-                        <p:par>
-                          <p:cTn id="20" fill="hold">
-                            <p:stCondLst>
-                              <p:cond delay="0"/>
-                            </p:stCondLst>
-                            <p:childTnLst>
-                              <p:par>
-                                <p:cTn id="21" presetID="10" presetClass="entr" presetSubtype="0" fill="hold" nodeType="clickEffect">
-                                  <p:stCondLst>
-                                    <p:cond delay="0"/>
-                                  </p:stCondLst>
-                                  <p:childTnLst>
-                                    <p:set>
-                                      <p:cBhvr>
-                                        <p:cTn id="22" dur="1" fill="hold">
-                                          <p:stCondLst>
-                                            <p:cond delay="0"/>
-                                          </p:stCondLst>
-                                        </p:cTn>
-                                        <p:tgtEl>
-                                          <p:spTgt spid="14">
-                                            <p:txEl>
-                                              <p:pRg st="4" end="4"/>
-                                            </p:txEl>
-                                          </p:spTgt>
-                                        </p:tgtEl>
-                                        <p:attrNameLst>
-                                          <p:attrName>style.visibility</p:attrName>
-                                        </p:attrNameLst>
-                                      </p:cBhvr>
-                                      <p:to>
-                                        <p:strVal val="visible"/>
-                                      </p:to>
-                                    </p:set>
-                                    <p:animEffect transition="in" filter="fade">
-                                      <p:cBhvr>
-                                        <p:cTn id="23" dur="500"/>
-                                        <p:tgtEl>
-                                          <p:spTgt spid="14">
-                                            <p:txEl>
-                                              <p:pRg st="4" end="4"/>
-                                            </p:txEl>
-                                          </p:spTgt>
-                                        </p:tgtEl>
-                                      </p:cBhvr>
-                                    </p:animEffect>
-                                  </p:childTnLst>
-                                </p:cTn>
-                              </p:par>
-                            </p:childTnLst>
-                          </p:cTn>
-                        </p:par>
-                      </p:childTnLst>
-                    </p:cTn>
-                  </p:par>
-                  <p:par>
-                    <p:cTn id="24" fill="hold">
-                      <p:stCondLst>
-                        <p:cond delay="indefinite"/>
-                      </p:stCondLst>
-                      <p:childTnLst>
-                        <p:par>
-                          <p:cTn id="25" fill="hold">
-                            <p:stCondLst>
-                              <p:cond delay="0"/>
-                            </p:stCondLst>
-                            <p:childTnLst>
-                              <p:par>
-                                <p:cTn id="26" presetID="10" presetClass="entr" presetSubtype="0" fill="hold" nodeType="clickEffect">
-                                  <p:stCondLst>
-                                    <p:cond delay="0"/>
-                                  </p:stCondLst>
-                                  <p:childTnLst>
-                                    <p:set>
-                                      <p:cBhvr>
-                                        <p:cTn id="27" dur="1" fill="hold">
-                                          <p:stCondLst>
-                                            <p:cond delay="0"/>
-                                          </p:stCondLst>
-                                        </p:cTn>
-                                        <p:tgtEl>
-                                          <p:spTgt spid="14">
-                                            <p:txEl>
-                                              <p:pRg st="5" end="5"/>
-                                            </p:txEl>
-                                          </p:spTgt>
-                                        </p:tgtEl>
-                                        <p:attrNameLst>
-                                          <p:attrName>style.visibility</p:attrName>
-                                        </p:attrNameLst>
-                                      </p:cBhvr>
-                                      <p:to>
-                                        <p:strVal val="visible"/>
-                                      </p:to>
-                                    </p:set>
-                                    <p:animEffect transition="in" filter="fade">
-                                      <p:cBhvr>
-                                        <p:cTn id="28" dur="500"/>
-                                        <p:tgtEl>
-                                          <p:spTgt spid="14">
-                                            <p:txEl>
-                                              <p:pRg st="5" end="5"/>
-                                            </p:txEl>
-                                          </p:spTgt>
-                                        </p:tgtEl>
-                                      </p:cBhvr>
-                                    </p:animEffect>
-                                  </p:childTnLst>
-                                </p:cTn>
-                              </p:par>
-                            </p:childTnLst>
-                          </p:cTn>
-                        </p:par>
-                      </p:childTnLst>
-                    </p:cTn>
-                  </p:par>
-                </p:childTnLst>
-              </p:cTn>
-              <p:prevCondLst>
-                <p:cond evt="onPrev" delay="0">
-                  <p:tgtEl>
-                    <p:sldTgt/>
-                  </p:tgtEl>
-                </p:cond>
-              </p:prevCondLst>
-              <p:nextCondLst>
-                <p:cond evt="onNext" delay="0">
-                  <p:tgtEl>
-                    <p:sldTgt/>
-                  </p:tgtEl>
-                </p:cond>
-              </p:nextCondLst>
-            </p:seq>
-          </p:childTnLst>
-        </p:cTn>
-      </p:par>
-    </p:tnLst>
-  </p:timing>
 </p:sld>
 </file>
 
@@ -8699,7 +7834,7 @@
                 <a:cs typeface="Poppins" panose="00000500000000000000" pitchFamily="2" charset="-94"/>
                 <a:sym typeface="Poppins"/>
               </a:rPr>
-              <a:t>how to managet and test AI configuration</a:t>
+              <a:t>how to manage and test AI configuration</a:t>
             </a:r>
           </a:p>
           <a:p>
@@ -9210,175 +8345,6 @@
       </p:par>
     </p:tnLst>
   </p:timing>
-</p:sld>
-</file>
-
-<file path=ppt/slides/slide9.xml><?xml version="1.0" encoding="utf-8"?>
-<p:sld xmlns:a="http://schemas.openxmlformats.org/drawingml/2006/main" xmlns:r="http://schemas.openxmlformats.org/officeDocument/2006/relationships" xmlns:p="http://schemas.openxmlformats.org/presentationml/2006/main">
-  <p:cSld>
-    <p:bg>
-      <p:bgPr>
-        <a:blipFill dpi="0" rotWithShape="1">
-          <a:blip r:embed="rId2">
-            <a:lum/>
-          </a:blip>
-          <a:srcRect/>
-          <a:stretch>
-            <a:fillRect/>
-          </a:stretch>
-        </a:blipFill>
-        <a:effectLst/>
-      </p:bgPr>
-    </p:bg>
-    <p:spTree>
-      <p:nvGrpSpPr>
-        <p:cNvPr id="1" name="">
-          <a:extLst>
-            <a:ext uri="{FF2B5EF4-FFF2-40B4-BE49-F238E27FC236}">
-              <a16:creationId xmlns:a16="http://schemas.microsoft.com/office/drawing/2014/main" id="{498C4AA6-9A7A-D9E5-5383-459CD17F43FE}"/>
-            </a:ext>
-          </a:extLst>
-        </p:cNvPr>
-        <p:cNvGrpSpPr/>
-        <p:nvPr/>
-      </p:nvGrpSpPr>
-      <p:grpSpPr>
-        <a:xfrm>
-          <a:off x="0" y="0"/>
-          <a:ext cx="0" cy="0"/>
-          <a:chOff x="0" y="0"/>
-          <a:chExt cx="0" cy="0"/>
-        </a:xfrm>
-      </p:grpSpPr>
-      <p:sp>
-        <p:nvSpPr>
-          <p:cNvPr id="4" name="Metin kutusu 3">
-            <a:extLst>
-              <a:ext uri="{FF2B5EF4-FFF2-40B4-BE49-F238E27FC236}">
-                <a16:creationId xmlns:a16="http://schemas.microsoft.com/office/drawing/2014/main" id="{ECEEADF5-D160-7812-350C-75703161FF99}"/>
-              </a:ext>
-            </a:extLst>
-          </p:cNvPr>
-          <p:cNvSpPr txBox="1">
-            <a:spLocks/>
-          </p:cNvSpPr>
-          <p:nvPr/>
-        </p:nvSpPr>
-        <p:spPr>
-          <a:xfrm>
-            <a:off x="455849" y="407657"/>
-            <a:ext cx="11239965" cy="708763"/>
-          </a:xfrm>
-          <a:prstGeom prst="rect">
-            <a:avLst/>
-          </a:prstGeom>
-          <a:noFill/>
-        </p:spPr>
-        <p:txBody>
-          <a:bodyPr wrap="square" rtlCol="0">
-            <a:normAutofit/>
-          </a:bodyPr>
-          <a:lstStyle/>
-          <a:p>
-            <a:pPr marL="0" lvl="0" indent="0" algn="l" rtl="0">
-              <a:spcBef>
-                <a:spcPts val="0"/>
-              </a:spcBef>
-              <a:spcAft>
-                <a:spcPts val="0"/>
-              </a:spcAft>
-              <a:buNone/>
-            </a:pPr>
-            <a:r>
-              <a:rPr lang="tr-TR" sz="3600" b="1" dirty="0">
-                <a:solidFill>
-                  <a:srgbClr val="292D33"/>
-                </a:solidFill>
-                <a:latin typeface="Lexend"/>
-                <a:ea typeface="Lexend"/>
-                <a:cs typeface="Lexend"/>
-                <a:sym typeface="Lexend"/>
-              </a:rPr>
-              <a:t>TODO</a:t>
-            </a:r>
-            <a:endParaRPr lang="tr-TR" sz="3600" dirty="0">
-              <a:solidFill>
-                <a:srgbClr val="292D33"/>
-              </a:solidFill>
-              <a:latin typeface="Lexend"/>
-              <a:ea typeface="Lexend"/>
-              <a:cs typeface="Lexend"/>
-              <a:sym typeface="Lexend"/>
-            </a:endParaRPr>
-          </a:p>
-        </p:txBody>
-      </p:sp>
-      <p:sp>
-        <p:nvSpPr>
-          <p:cNvPr id="14" name="Metin kutusu 13">
-            <a:extLst>
-              <a:ext uri="{FF2B5EF4-FFF2-40B4-BE49-F238E27FC236}">
-                <a16:creationId xmlns:a16="http://schemas.microsoft.com/office/drawing/2014/main" id="{82FA96C3-F475-3CDF-F28D-E0DC430A1B0D}"/>
-              </a:ext>
-            </a:extLst>
-          </p:cNvPr>
-          <p:cNvSpPr txBox="1"/>
-          <p:nvPr/>
-        </p:nvSpPr>
-        <p:spPr>
-          <a:xfrm>
-            <a:off x="455846" y="1250909"/>
-            <a:ext cx="11239964" cy="4746130"/>
-          </a:xfrm>
-          <a:prstGeom prst="rect">
-            <a:avLst/>
-          </a:prstGeom>
-          <a:noFill/>
-        </p:spPr>
-        <p:txBody>
-          <a:bodyPr wrap="square" rtlCol="0">
-            <a:normAutofit/>
-          </a:bodyPr>
-          <a:lstStyle/>
-          <a:p>
-            <a:pPr marL="285750" indent="-285750">
-              <a:buFont typeface="Arial" panose="020B0604020202020204" pitchFamily="34" charset="0"/>
-              <a:buChar char="•"/>
-            </a:pPr>
-            <a:r>
-              <a:rPr lang="tr-TR" sz="2800" dirty="0">
-                <a:solidFill>
-                  <a:srgbClr val="5C6571"/>
-                </a:solidFill>
-                <a:latin typeface="Poppins" pitchFamily="2" charset="0"/>
-                <a:ea typeface="Poppins"/>
-                <a:cs typeface="Poppins" pitchFamily="2" charset="0"/>
-                <a:sym typeface="Poppins"/>
-              </a:rPr>
-              <a:t>TODO</a:t>
-            </a:r>
-            <a:endParaRPr lang="en-US" sz="2800" b="1" dirty="0">
-              <a:solidFill>
-                <a:srgbClr val="5C6571"/>
-              </a:solidFill>
-              <a:latin typeface="Poppins SemiBold" pitchFamily="2" charset="0"/>
-              <a:ea typeface="Poppins"/>
-              <a:cs typeface="Poppins SemiBold" pitchFamily="2" charset="0"/>
-              <a:sym typeface="Poppins"/>
-            </a:endParaRPr>
-          </a:p>
-        </p:txBody>
-      </p:sp>
-    </p:spTree>
-    <p:extLst>
-      <p:ext uri="{BB962C8B-B14F-4D97-AF65-F5344CB8AC3E}">
-        <p14:creationId xmlns:p14="http://schemas.microsoft.com/office/powerpoint/2010/main" val="2434671945"/>
-      </p:ext>
-    </p:extLst>
-  </p:cSld>
-  <p:clrMapOvr>
-    <a:masterClrMapping/>
-  </p:clrMapOvr>
 </p:sld>
 </file>
 
